--- a/artigo/Apresentação.pptx
+++ b/artigo/Apresentação.pptx
@@ -7,11 +7,13 @@
   <p:sldIdLst>
     <p:sldId id="256" r:id="rId2"/>
     <p:sldId id="257" r:id="rId3"/>
-    <p:sldId id="258" r:id="rId4"/>
-    <p:sldId id="262" r:id="rId5"/>
-    <p:sldId id="259" r:id="rId6"/>
-    <p:sldId id="260" r:id="rId7"/>
-    <p:sldId id="261" r:id="rId8"/>
+    <p:sldId id="264" r:id="rId4"/>
+    <p:sldId id="266" r:id="rId5"/>
+    <p:sldId id="258" r:id="rId6"/>
+    <p:sldId id="259" r:id="rId7"/>
+    <p:sldId id="262" r:id="rId8"/>
+    <p:sldId id="260" r:id="rId9"/>
+    <p:sldId id="261" r:id="rId10"/>
   </p:sldIdLst>
   <p:sldSz cx="12192000" cy="6858000"/>
   <p:notesSz cx="6858000" cy="9144000"/>
@@ -359,7 +361,7 @@
           <a:p>
             <a:fld id="{5BCAD085-E8A6-8845-BD4E-CB4CCA059FC4}" type="datetimeFigureOut">
               <a:rPr lang="en-US" smtClean="0"/>
-              <a:t>4/3/2025</a:t>
+              <a:t>4/4/2025</a:t>
             </a:fld>
             <a:endParaRPr lang="en-US"/>
           </a:p>
@@ -545,7 +547,7 @@
           <a:p>
             <a:fld id="{5BCAD085-E8A6-8845-BD4E-CB4CCA059FC4}" type="datetimeFigureOut">
               <a:rPr lang="en-US" smtClean="0"/>
-              <a:t>4/3/2025</a:t>
+              <a:t>4/4/2025</a:t>
             </a:fld>
             <a:endParaRPr lang="en-US"/>
           </a:p>
@@ -768,7 +770,7 @@
           <a:p>
             <a:fld id="{5BCAD085-E8A6-8845-BD4E-CB4CCA059FC4}" type="datetimeFigureOut">
               <a:rPr lang="en-US" smtClean="0"/>
-              <a:t>4/3/2025</a:t>
+              <a:t>4/4/2025</a:t>
             </a:fld>
             <a:endParaRPr lang="en-US"/>
           </a:p>
@@ -948,7 +950,7 @@
           <a:p>
             <a:fld id="{5BCAD085-E8A6-8845-BD4E-CB4CCA059FC4}" type="datetimeFigureOut">
               <a:rPr lang="en-US" smtClean="0"/>
-              <a:t>4/3/2025</a:t>
+              <a:t>4/4/2025</a:t>
             </a:fld>
             <a:endParaRPr lang="en-US"/>
           </a:p>
@@ -1287,7 +1289,7 @@
           <a:p>
             <a:fld id="{5BCAD085-E8A6-8845-BD4E-CB4CCA059FC4}" type="datetimeFigureOut">
               <a:rPr lang="en-US" smtClean="0"/>
-              <a:t>4/3/2025</a:t>
+              <a:t>4/4/2025</a:t>
             </a:fld>
             <a:endParaRPr lang="en-US"/>
           </a:p>
@@ -1591,7 +1593,7 @@
           <a:p>
             <a:fld id="{5BCAD085-E8A6-8845-BD4E-CB4CCA059FC4}" type="datetimeFigureOut">
               <a:rPr lang="en-US" smtClean="0"/>
-              <a:t>4/3/2025</a:t>
+              <a:t>4/4/2025</a:t>
             </a:fld>
             <a:endParaRPr lang="en-US"/>
           </a:p>
@@ -2013,7 +2015,7 @@
           <a:p>
             <a:fld id="{5BCAD085-E8A6-8845-BD4E-CB4CCA059FC4}" type="datetimeFigureOut">
               <a:rPr lang="en-US" smtClean="0"/>
-              <a:t>4/3/2025</a:t>
+              <a:t>4/4/2025</a:t>
             </a:fld>
             <a:endParaRPr lang="en-US"/>
           </a:p>
@@ -2131,7 +2133,7 @@
           <a:p>
             <a:fld id="{5BCAD085-E8A6-8845-BD4E-CB4CCA059FC4}" type="datetimeFigureOut">
               <a:rPr lang="en-US" smtClean="0"/>
-              <a:t>4/3/2025</a:t>
+              <a:t>4/4/2025</a:t>
             </a:fld>
             <a:endParaRPr lang="en-US"/>
           </a:p>
@@ -2226,7 +2228,7 @@
           <a:p>
             <a:fld id="{5BCAD085-E8A6-8845-BD4E-CB4CCA059FC4}" type="datetimeFigureOut">
               <a:rPr lang="en-US" smtClean="0"/>
-              <a:t>4/3/2025</a:t>
+              <a:t>4/4/2025</a:t>
             </a:fld>
             <a:endParaRPr lang="en-US"/>
           </a:p>
@@ -2499,7 +2501,7 @@
           <a:p>
             <a:fld id="{5BCAD085-E8A6-8845-BD4E-CB4CCA059FC4}" type="datetimeFigureOut">
               <a:rPr lang="en-US" smtClean="0"/>
-              <a:t>4/3/2025</a:t>
+              <a:t>4/4/2025</a:t>
             </a:fld>
             <a:endParaRPr lang="en-US"/>
           </a:p>
@@ -2764,7 +2766,7 @@
           <a:p>
             <a:fld id="{5BCAD085-E8A6-8845-BD4E-CB4CCA059FC4}" type="datetimeFigureOut">
               <a:rPr lang="en-US" smtClean="0"/>
-              <a:t>4/3/2025</a:t>
+              <a:t>4/4/2025</a:t>
             </a:fld>
             <a:endParaRPr lang="en-US"/>
           </a:p>
@@ -3013,7 +3015,7 @@
           <a:p>
             <a:fld id="{5BCAD085-E8A6-8845-BD4E-CB4CCA059FC4}" type="datetimeFigureOut">
               <a:rPr lang="en-US" smtClean="0"/>
-              <a:t>4/3/2025</a:t>
+              <a:t>4/4/2025</a:t>
             </a:fld>
             <a:endParaRPr lang="en-US"/>
           </a:p>
@@ -3867,7 +3869,7 @@
             <a:pPr lvl="1" algn="just"/>
             <a:r>
               <a:rPr lang="pt-BR" sz="2600" dirty="0"/>
-              <a:t>Alocar energia solar em comunidades com critérios técnicos e sociais</a:t>
+              <a:t>Alocar energia solar em comunidades com critérios técnicos (geração e demanda) e sociais (vulnerabilidade)</a:t>
             </a:r>
           </a:p>
           <a:p>
@@ -3889,14 +3891,7 @@
             </a:r>
             <a:r>
               <a:rPr lang="pt-BR" sz="2600" dirty="0"/>
-              <a:t> e solver CBC</a:t>
-            </a:r>
-          </a:p>
-          <a:p>
-            <a:pPr lvl="1" algn="just"/>
-            <a:r>
-              <a:rPr lang="pt-BR" sz="2600" dirty="0"/>
-              <a:t>Considera perfis de demanda, intermitência da geração solar e prioridade socioeconômica</a:t>
+              <a:t> e solucionador CBC</a:t>
             </a:r>
           </a:p>
         </p:txBody>
@@ -3928,7 +3923,13 @@
       </p:grpSpPr>
       <p:sp>
         <p:nvSpPr>
-          <p:cNvPr id="2" name="Title 1"/>
+          <p:cNvPr id="2" name="Título 1">
+            <a:extLst>
+              <a:ext uri="{FF2B5EF4-FFF2-40B4-BE49-F238E27FC236}">
+                <a16:creationId xmlns:a16="http://schemas.microsoft.com/office/drawing/2014/main" id="{DF19E6AE-9691-278F-B339-A0C002C51F7A}"/>
+              </a:ext>
+            </a:extLst>
+          </p:cNvPr>
           <p:cNvSpPr>
             <a:spLocks noGrp="1"/>
           </p:cNvSpPr>
@@ -3938,8 +3939,8 @@
         </p:nvSpPr>
         <p:spPr>
           <a:xfrm>
-            <a:off x="448056" y="284176"/>
-            <a:ext cx="11293806" cy="1508760"/>
+            <a:off x="639097" y="284176"/>
+            <a:ext cx="10911724" cy="1508760"/>
           </a:xfrm>
         </p:spPr>
         <p:txBody>
@@ -3947,15 +3948,21 @@
           <a:lstStyle/>
           <a:p>
             <a:r>
-              <a:rPr lang="pt-BR" b="1" noProof="0" dirty="0"/>
-              <a:t>Cenários de Alocação de Energia</a:t>
-            </a:r>
-          </a:p>
-        </p:txBody>
-      </p:sp>
-      <p:sp>
-        <p:nvSpPr>
-          <p:cNvPr id="3" name="Content Placeholder 2"/>
+              <a:rPr lang="pt-BR" b="1" dirty="0"/>
+              <a:t>O Problema</a:t>
+            </a:r>
+          </a:p>
+        </p:txBody>
+      </p:sp>
+      <p:sp>
+        <p:nvSpPr>
+          <p:cNvPr id="3" name="Espaço Reservado para Conteúdo 2">
+            <a:extLst>
+              <a:ext uri="{FF2B5EF4-FFF2-40B4-BE49-F238E27FC236}">
+                <a16:creationId xmlns:a16="http://schemas.microsoft.com/office/drawing/2014/main" id="{9C22888C-3561-3207-D4FD-735E2C91776B}"/>
+              </a:ext>
+            </a:extLst>
+          </p:cNvPr>
           <p:cNvSpPr>
             <a:spLocks noGrp="1"/>
           </p:cNvSpPr>
@@ -3965,78 +3972,35 @@
         </p:nvSpPr>
         <p:spPr>
           <a:xfrm>
-            <a:off x="448056" y="2011680"/>
-            <a:ext cx="11293806" cy="4206240"/>
+            <a:off x="639097" y="2011680"/>
+            <a:ext cx="10911724" cy="4206240"/>
           </a:xfrm>
         </p:spPr>
         <p:txBody>
           <a:bodyPr>
-            <a:normAutofit lnSpcReduction="10000"/>
+            <a:normAutofit/>
           </a:bodyPr>
           <a:lstStyle/>
           <a:p>
             <a:r>
-              <a:rPr lang="pt-BR" sz="2800" b="1" dirty="0"/>
-              <a:t>Cenário 1: </a:t>
-            </a:r>
-          </a:p>
-          <a:p>
-            <a:pPr lvl="1"/>
-            <a:r>
-              <a:rPr lang="pt-BR" sz="2600" dirty="0"/>
-              <a:t>Distribuição sequencial</a:t>
-            </a:r>
-          </a:p>
-          <a:p>
-            <a:pPr lvl="1"/>
-            <a:r>
-              <a:rPr lang="pt-BR" sz="2600" dirty="0"/>
-              <a:t>Algoritmo guloso</a:t>
-            </a:r>
-          </a:p>
-          <a:p>
-            <a:pPr lvl="1"/>
-            <a:r>
-              <a:rPr lang="pt-BR" sz="2600" dirty="0"/>
-              <a:t>Sem otimização</a:t>
-            </a:r>
-          </a:p>
-          <a:p>
-            <a:r>
-              <a:rPr lang="pt-BR" sz="2800" b="1" dirty="0"/>
-              <a:t>Cenário 2: </a:t>
-            </a:r>
-          </a:p>
-          <a:p>
-            <a:pPr lvl="1"/>
-            <a:r>
-              <a:rPr lang="pt-BR" sz="2600" dirty="0"/>
-              <a:t>Programação Linear Inteira sem pesos sociais </a:t>
-            </a:r>
-          </a:p>
-          <a:p>
-            <a:pPr lvl="1"/>
-            <a:r>
-              <a:rPr lang="pt-BR" sz="2600" dirty="0"/>
-              <a:t>Busca maximizar atendimentos</a:t>
-            </a:r>
-          </a:p>
-          <a:p>
-            <a:r>
-              <a:rPr lang="pt-BR" sz="2800" b="1" dirty="0"/>
-              <a:t>Cenário 3: </a:t>
-            </a:r>
-          </a:p>
-          <a:p>
-            <a:pPr lvl="1"/>
-            <a:r>
-              <a:rPr lang="pt-BR" sz="2600" dirty="0"/>
-              <a:t>PLI com pesos socioeconômicos e meta de atendimento mínimo para unidades prioritárias</a:t>
+              <a:rPr lang="pt-BR" sz="2800" dirty="0"/>
+              <a:t>Desigualdade no acesso à energia solar compartilhada.</a:t>
+            </a:r>
+          </a:p>
+          <a:p>
+            <a:r>
+              <a:rPr lang="pt-BR" sz="2800" dirty="0"/>
+              <a:t>Dificuldade de alocação justa e eficiente da geração distribuída</a:t>
             </a:r>
           </a:p>
         </p:txBody>
       </p:sp>
     </p:spTree>
+    <p:extLst>
+      <p:ext uri="{BB962C8B-B14F-4D97-AF65-F5344CB8AC3E}">
+        <p14:creationId xmlns:p14="http://schemas.microsoft.com/office/powerpoint/2010/main" val="617859343"/>
+      </p:ext>
+    </p:extLst>
   </p:cSld>
   <p:clrMapOvr>
     <a:masterClrMapping/>
@@ -4045,6 +4009,134 @@
 </file>
 
 <file path=ppt/slides/slide4.xml><?xml version="1.0" encoding="utf-8"?>
+<p:sld xmlns:a="http://schemas.openxmlformats.org/drawingml/2006/main" xmlns:r="http://schemas.openxmlformats.org/officeDocument/2006/relationships" xmlns:p="http://schemas.openxmlformats.org/presentationml/2006/main">
+  <p:cSld>
+    <p:spTree>
+      <p:nvGrpSpPr>
+        <p:cNvPr id="1" name="">
+          <a:extLst>
+            <a:ext uri="{FF2B5EF4-FFF2-40B4-BE49-F238E27FC236}">
+              <a16:creationId xmlns:a16="http://schemas.microsoft.com/office/drawing/2014/main" id="{2B454EFF-D96D-1710-98D2-BD8FC8B5561D}"/>
+            </a:ext>
+          </a:extLst>
+        </p:cNvPr>
+        <p:cNvGrpSpPr/>
+        <p:nvPr/>
+      </p:nvGrpSpPr>
+      <p:grpSpPr>
+        <a:xfrm>
+          <a:off x="0" y="0"/>
+          <a:ext cx="0" cy="0"/>
+          <a:chOff x="0" y="0"/>
+          <a:chExt cx="0" cy="0"/>
+        </a:xfrm>
+      </p:grpSpPr>
+      <p:sp>
+        <p:nvSpPr>
+          <p:cNvPr id="2" name="Título 1">
+            <a:extLst>
+              <a:ext uri="{FF2B5EF4-FFF2-40B4-BE49-F238E27FC236}">
+                <a16:creationId xmlns:a16="http://schemas.microsoft.com/office/drawing/2014/main" id="{FD54A3AC-9398-8566-DFB8-5AAF04A9D8A0}"/>
+              </a:ext>
+            </a:extLst>
+          </p:cNvPr>
+          <p:cNvSpPr>
+            <a:spLocks noGrp="1"/>
+          </p:cNvSpPr>
+          <p:nvPr>
+            <p:ph type="title"/>
+          </p:nvPr>
+        </p:nvSpPr>
+        <p:spPr>
+          <a:xfrm>
+            <a:off x="639097" y="284176"/>
+            <a:ext cx="10911724" cy="1508760"/>
+          </a:xfrm>
+        </p:spPr>
+        <p:txBody>
+          <a:bodyPr/>
+          <a:lstStyle/>
+          <a:p>
+            <a:r>
+              <a:rPr lang="pt-BR" sz="4000" b="1" dirty="0"/>
+              <a:t>Alinhamento com o tema SBPO</a:t>
+            </a:r>
+          </a:p>
+        </p:txBody>
+      </p:sp>
+      <p:sp>
+        <p:nvSpPr>
+          <p:cNvPr id="3" name="Espaço Reservado para Conteúdo 2">
+            <a:extLst>
+              <a:ext uri="{FF2B5EF4-FFF2-40B4-BE49-F238E27FC236}">
+                <a16:creationId xmlns:a16="http://schemas.microsoft.com/office/drawing/2014/main" id="{4586816C-EB15-4E95-B348-9718A4A44498}"/>
+              </a:ext>
+            </a:extLst>
+          </p:cNvPr>
+          <p:cNvSpPr>
+            <a:spLocks noGrp="1"/>
+          </p:cNvSpPr>
+          <p:nvPr>
+            <p:ph idx="1"/>
+          </p:nvPr>
+        </p:nvSpPr>
+        <p:spPr>
+          <a:xfrm>
+            <a:off x="639097" y="2011680"/>
+            <a:ext cx="10911724" cy="4206240"/>
+          </a:xfrm>
+        </p:spPr>
+        <p:txBody>
+          <a:bodyPr>
+            <a:normAutofit/>
+          </a:bodyPr>
+          <a:lstStyle/>
+          <a:p>
+            <a:r>
+              <a:rPr lang="pt-BR" sz="2800" b="1" dirty="0"/>
+              <a:t>Inovação sustentável: </a:t>
+            </a:r>
+            <a:r>
+              <a:rPr lang="pt-BR" sz="2800" dirty="0"/>
+              <a:t>uso de otimização matemática aplicada à energia limpa.</a:t>
+            </a:r>
+          </a:p>
+          <a:p>
+            <a:r>
+              <a:rPr lang="pt-BR" sz="2800" b="1" dirty="0"/>
+              <a:t>Energia eficiente: </a:t>
+            </a:r>
+            <a:r>
+              <a:rPr lang="pt-BR" sz="2800" dirty="0"/>
+              <a:t>maximização do uso da geração solar local, redução de perdas.</a:t>
+            </a:r>
+          </a:p>
+          <a:p>
+            <a:r>
+              <a:rPr lang="pt-BR" sz="2800" b="1" dirty="0"/>
+              <a:t>Justiça energética: </a:t>
+            </a:r>
+            <a:r>
+              <a:rPr lang="pt-BR" sz="2800" dirty="0"/>
+              <a:t>distribuição equitativa com base em critérios socioeconômicos e ou prioritários.</a:t>
+            </a:r>
+          </a:p>
+        </p:txBody>
+      </p:sp>
+    </p:spTree>
+    <p:extLst>
+      <p:ext uri="{BB962C8B-B14F-4D97-AF65-F5344CB8AC3E}">
+        <p14:creationId xmlns:p14="http://schemas.microsoft.com/office/powerpoint/2010/main" val="3758881224"/>
+      </p:ext>
+    </p:extLst>
+  </p:cSld>
+  <p:clrMapOvr>
+    <a:masterClrMapping/>
+  </p:clrMapOvr>
+</p:sld>
+</file>
+
+<file path=ppt/slides/slide5.xml><?xml version="1.0" encoding="utf-8"?>
 <p:sld xmlns:a="http://schemas.openxmlformats.org/drawingml/2006/main" xmlns:r="http://schemas.openxmlformats.org/officeDocument/2006/relationships" xmlns:p="http://schemas.openxmlformats.org/presentationml/2006/main">
   <p:cSld>
     <p:spTree>
@@ -4063,13 +4155,7 @@
       </p:grpSpPr>
       <p:sp>
         <p:nvSpPr>
-          <p:cNvPr id="2" name="Título 1">
-            <a:extLst>
-              <a:ext uri="{FF2B5EF4-FFF2-40B4-BE49-F238E27FC236}">
-                <a16:creationId xmlns:a16="http://schemas.microsoft.com/office/drawing/2014/main" id="{4FCA5D26-49A3-F413-1831-CFC29767BB69}"/>
-              </a:ext>
-            </a:extLst>
-          </p:cNvPr>
+          <p:cNvPr id="2" name="Title 1"/>
           <p:cNvSpPr>
             <a:spLocks noGrp="1"/>
           </p:cNvSpPr>
@@ -4079,8 +4165,8 @@
         </p:nvSpPr>
         <p:spPr>
           <a:xfrm>
-            <a:off x="530942" y="284176"/>
-            <a:ext cx="11128034" cy="1508760"/>
+            <a:off x="448056" y="284176"/>
+            <a:ext cx="11293806" cy="1508760"/>
           </a:xfrm>
         </p:spPr>
         <p:txBody>
@@ -4088,22 +4174,15 @@
           <a:lstStyle/>
           <a:p>
             <a:r>
-              <a:rPr lang="pt-BR" b="1" dirty="0"/>
-              <a:t>Resultados obtidos:</a:t>
-            </a:r>
-            <a:endParaRPr lang="pt-BR" dirty="0"/>
-          </a:p>
-        </p:txBody>
-      </p:sp>
-      <p:sp>
-        <p:nvSpPr>
-          <p:cNvPr id="3" name="Espaço Reservado para Conteúdo 2">
-            <a:extLst>
-              <a:ext uri="{FF2B5EF4-FFF2-40B4-BE49-F238E27FC236}">
-                <a16:creationId xmlns:a16="http://schemas.microsoft.com/office/drawing/2014/main" id="{6BA6344C-3FD9-1055-333E-35973FD460A9}"/>
-              </a:ext>
-            </a:extLst>
-          </p:cNvPr>
+              <a:rPr lang="pt-BR" b="1" noProof="0" dirty="0"/>
+              <a:t>Cenários de Alocação de Energia</a:t>
+            </a:r>
+          </a:p>
+        </p:txBody>
+      </p:sp>
+      <p:sp>
+        <p:nvSpPr>
+          <p:cNvPr id="3" name="Content Placeholder 2"/>
           <p:cNvSpPr>
             <a:spLocks noGrp="1"/>
           </p:cNvSpPr>
@@ -4111,51 +4190,80 @@
             <p:ph idx="1"/>
           </p:nvPr>
         </p:nvSpPr>
-        <p:spPr/>
-        <p:txBody>
-          <a:bodyPr/>
-          <a:lstStyle/>
-          <a:p>
-            <a:endParaRPr lang="pt-BR" dirty="0"/>
-          </a:p>
-        </p:txBody>
-      </p:sp>
-      <p:pic>
-        <p:nvPicPr>
-          <p:cNvPr id="5" name="Imagem 4">
-            <a:extLst>
-              <a:ext uri="{FF2B5EF4-FFF2-40B4-BE49-F238E27FC236}">
-                <a16:creationId xmlns:a16="http://schemas.microsoft.com/office/drawing/2014/main" id="{BDEF8FC6-ACF7-D9C0-98FC-38BE8F745B46}"/>
-              </a:ext>
-            </a:extLst>
-          </p:cNvPr>
-          <p:cNvPicPr>
-            <a:picLocks noChangeAspect="1"/>
-          </p:cNvPicPr>
-          <p:nvPr/>
-        </p:nvPicPr>
-        <p:blipFill>
-          <a:blip r:embed="rId2"/>
-          <a:stretch>
-            <a:fillRect/>
-          </a:stretch>
-        </p:blipFill>
         <p:spPr>
           <a:xfrm>
-            <a:off x="2484204" y="2022023"/>
-            <a:ext cx="7221509" cy="4835977"/>
+            <a:off x="448056" y="2011680"/>
+            <a:ext cx="11293806" cy="4206240"/>
           </a:xfrm>
-          <a:prstGeom prst="rect">
-            <a:avLst/>
-          </a:prstGeom>
         </p:spPr>
-      </p:pic>
+        <p:txBody>
+          <a:bodyPr>
+            <a:normAutofit lnSpcReduction="10000"/>
+          </a:bodyPr>
+          <a:lstStyle/>
+          <a:p>
+            <a:r>
+              <a:rPr lang="pt-BR" sz="2800" b="1" dirty="0"/>
+              <a:t>Cenário 1: </a:t>
+            </a:r>
+          </a:p>
+          <a:p>
+            <a:pPr lvl="1"/>
+            <a:r>
+              <a:rPr lang="pt-BR" sz="2600" dirty="0"/>
+              <a:t>Distribuição sequencial</a:t>
+            </a:r>
+          </a:p>
+          <a:p>
+            <a:pPr lvl="1"/>
+            <a:r>
+              <a:rPr lang="pt-BR" sz="2600" dirty="0"/>
+              <a:t>Algoritmo guloso</a:t>
+            </a:r>
+          </a:p>
+          <a:p>
+            <a:pPr lvl="1"/>
+            <a:r>
+              <a:rPr lang="pt-BR" sz="2600" dirty="0"/>
+              <a:t>Sem otimização</a:t>
+            </a:r>
+          </a:p>
+          <a:p>
+            <a:r>
+              <a:rPr lang="pt-BR" sz="2800" b="1" dirty="0"/>
+              <a:t>Cenário 2: </a:t>
+            </a:r>
+          </a:p>
+          <a:p>
+            <a:pPr lvl="1"/>
+            <a:r>
+              <a:rPr lang="pt-BR" sz="2600" dirty="0"/>
+              <a:t>Programação Linear Inteira sem pesos sociais </a:t>
+            </a:r>
+          </a:p>
+          <a:p>
+            <a:pPr lvl="1"/>
+            <a:r>
+              <a:rPr lang="pt-BR" sz="2600" dirty="0"/>
+              <a:t>Busca maximizar atendimentos</a:t>
+            </a:r>
+          </a:p>
+          <a:p>
+            <a:r>
+              <a:rPr lang="pt-BR" sz="2800" b="1" dirty="0"/>
+              <a:t>Cenário 3: </a:t>
+            </a:r>
+          </a:p>
+          <a:p>
+            <a:pPr lvl="1"/>
+            <a:r>
+              <a:rPr lang="pt-BR" sz="2600" dirty="0"/>
+              <a:t>PLI com pesos socioeconômicos e meta de atendimento mínimo para unidades prioritárias</a:t>
+            </a:r>
+          </a:p>
+        </p:txBody>
+      </p:sp>
     </p:spTree>
-    <p:extLst>
-      <p:ext uri="{BB962C8B-B14F-4D97-AF65-F5344CB8AC3E}">
-        <p14:creationId xmlns:p14="http://schemas.microsoft.com/office/powerpoint/2010/main" val="1482723665"/>
-      </p:ext>
-    </p:extLst>
   </p:cSld>
   <p:clrMapOvr>
     <a:masterClrMapping/>
@@ -4163,7 +4271,7 @@
 </p:sld>
 </file>
 
-<file path=ppt/slides/slide5.xml><?xml version="1.0" encoding="utf-8"?>
+<file path=ppt/slides/slide6.xml><?xml version="1.0" encoding="utf-8"?>
 <p:sld xmlns:a="http://schemas.openxmlformats.org/drawingml/2006/main" xmlns:r="http://schemas.openxmlformats.org/officeDocument/2006/relationships" xmlns:p="http://schemas.openxmlformats.org/presentationml/2006/main">
   <p:cSld>
     <p:spTree>
@@ -4711,7 +4819,7 @@
 </p:sld>
 </file>
 
-<file path=ppt/slides/slide6.xml><?xml version="1.0" encoding="utf-8"?>
+<file path=ppt/slides/slide7.xml><?xml version="1.0" encoding="utf-8"?>
 <p:sld xmlns:a="http://schemas.openxmlformats.org/drawingml/2006/main" xmlns:r="http://schemas.openxmlformats.org/officeDocument/2006/relationships" xmlns:p="http://schemas.openxmlformats.org/presentationml/2006/main">
   <p:cSld>
     <p:spTree>
@@ -4730,6 +4838,125 @@
       </p:grpSpPr>
       <p:sp>
         <p:nvSpPr>
+          <p:cNvPr id="2" name="Título 1">
+            <a:extLst>
+              <a:ext uri="{FF2B5EF4-FFF2-40B4-BE49-F238E27FC236}">
+                <a16:creationId xmlns:a16="http://schemas.microsoft.com/office/drawing/2014/main" id="{4FCA5D26-49A3-F413-1831-CFC29767BB69}"/>
+              </a:ext>
+            </a:extLst>
+          </p:cNvPr>
+          <p:cNvSpPr>
+            <a:spLocks noGrp="1"/>
+          </p:cNvSpPr>
+          <p:nvPr>
+            <p:ph type="title"/>
+          </p:nvPr>
+        </p:nvSpPr>
+        <p:spPr>
+          <a:xfrm>
+            <a:off x="530942" y="284176"/>
+            <a:ext cx="11128034" cy="1508760"/>
+          </a:xfrm>
+        </p:spPr>
+        <p:txBody>
+          <a:bodyPr/>
+          <a:lstStyle/>
+          <a:p>
+            <a:r>
+              <a:rPr lang="pt-BR" b="1" dirty="0"/>
+              <a:t>Resultados obtidos:</a:t>
+            </a:r>
+            <a:endParaRPr lang="pt-BR" dirty="0"/>
+          </a:p>
+        </p:txBody>
+      </p:sp>
+      <p:sp>
+        <p:nvSpPr>
+          <p:cNvPr id="3" name="Espaço Reservado para Conteúdo 2">
+            <a:extLst>
+              <a:ext uri="{FF2B5EF4-FFF2-40B4-BE49-F238E27FC236}">
+                <a16:creationId xmlns:a16="http://schemas.microsoft.com/office/drawing/2014/main" id="{6BA6344C-3FD9-1055-333E-35973FD460A9}"/>
+              </a:ext>
+            </a:extLst>
+          </p:cNvPr>
+          <p:cNvSpPr>
+            <a:spLocks noGrp="1"/>
+          </p:cNvSpPr>
+          <p:nvPr>
+            <p:ph idx="1"/>
+          </p:nvPr>
+        </p:nvSpPr>
+        <p:spPr/>
+        <p:txBody>
+          <a:bodyPr/>
+          <a:lstStyle/>
+          <a:p>
+            <a:endParaRPr lang="pt-BR" dirty="0"/>
+          </a:p>
+        </p:txBody>
+      </p:sp>
+      <p:pic>
+        <p:nvPicPr>
+          <p:cNvPr id="5" name="Imagem 4">
+            <a:extLst>
+              <a:ext uri="{FF2B5EF4-FFF2-40B4-BE49-F238E27FC236}">
+                <a16:creationId xmlns:a16="http://schemas.microsoft.com/office/drawing/2014/main" id="{BDEF8FC6-ACF7-D9C0-98FC-38BE8F745B46}"/>
+              </a:ext>
+            </a:extLst>
+          </p:cNvPr>
+          <p:cNvPicPr>
+            <a:picLocks noChangeAspect="1"/>
+          </p:cNvPicPr>
+          <p:nvPr/>
+        </p:nvPicPr>
+        <p:blipFill>
+          <a:blip r:embed="rId2"/>
+          <a:stretch>
+            <a:fillRect/>
+          </a:stretch>
+        </p:blipFill>
+        <p:spPr>
+          <a:xfrm>
+            <a:off x="2484204" y="2022023"/>
+            <a:ext cx="7221509" cy="4835977"/>
+          </a:xfrm>
+          <a:prstGeom prst="rect">
+            <a:avLst/>
+          </a:prstGeom>
+        </p:spPr>
+      </p:pic>
+    </p:spTree>
+    <p:extLst>
+      <p:ext uri="{BB962C8B-B14F-4D97-AF65-F5344CB8AC3E}">
+        <p14:creationId xmlns:p14="http://schemas.microsoft.com/office/powerpoint/2010/main" val="1482723665"/>
+      </p:ext>
+    </p:extLst>
+  </p:cSld>
+  <p:clrMapOvr>
+    <a:masterClrMapping/>
+  </p:clrMapOvr>
+</p:sld>
+</file>
+
+<file path=ppt/slides/slide8.xml><?xml version="1.0" encoding="utf-8"?>
+<p:sld xmlns:a="http://schemas.openxmlformats.org/drawingml/2006/main" xmlns:r="http://schemas.openxmlformats.org/officeDocument/2006/relationships" xmlns:p="http://schemas.openxmlformats.org/presentationml/2006/main">
+  <p:cSld>
+    <p:spTree>
+      <p:nvGrpSpPr>
+        <p:cNvPr id="1" name=""/>
+        <p:cNvGrpSpPr/>
+        <p:nvPr/>
+      </p:nvGrpSpPr>
+      <p:grpSpPr>
+        <a:xfrm>
+          <a:off x="0" y="0"/>
+          <a:ext cx="0" cy="0"/>
+          <a:chOff x="0" y="0"/>
+          <a:chExt cx="0" cy="0"/>
+        </a:xfrm>
+      </p:grpSpPr>
+      <p:sp>
+        <p:nvSpPr>
           <p:cNvPr id="2" name="Title 1"/>
           <p:cNvSpPr>
             <a:spLocks noGrp="1"/>
@@ -4834,7 +5061,7 @@
 </p:sld>
 </file>
 
-<file path=ppt/slides/slide7.xml><?xml version="1.0" encoding="utf-8"?>
+<file path=ppt/slides/slide9.xml><?xml version="1.0" encoding="utf-8"?>
 <p:sld xmlns:a="http://schemas.openxmlformats.org/drawingml/2006/main" xmlns:r="http://schemas.openxmlformats.org/officeDocument/2006/relationships" xmlns:p="http://schemas.openxmlformats.org/presentationml/2006/main">
   <p:cSld>
     <p:spTree>
